--- a/NHÓM NGHIÊN CỨU KHOA HỌC LỚP 57PM.pptx
+++ b/NHÓM NGHIÊN CỨU KHOA HỌC LỚP 57PM.pptx
@@ -217,7 +217,7 @@
             <a:fld id="{5A703AD5-F555-445C-9A7F-5B646F75B839}" type="datetimeFigureOut">
               <a:rPr lang="en-US" smtClean="0"/>
               <a:pPr/>
-              <a:t>4/12/2014</a:t>
+              <a:t>10/30/2015</a:t>
             </a:fld>
             <a:endParaRPr lang="en-US"/>
           </a:p>
@@ -388,7 +388,7 @@
     </p:spTree>
     <p:extLst>
       <p:ext uri="{BB962C8B-B14F-4D97-AF65-F5344CB8AC3E}">
-        <p14:creationId xmlns:p14="http://schemas.microsoft.com/office/powerpoint/2010/main" xmlns="" val="181234236"/>
+        <p14:creationId xmlns="" xmlns:p14="http://schemas.microsoft.com/office/powerpoint/2010/main" val="181234236"/>
       </p:ext>
     </p:extLst>
   </p:cSld>
@@ -923,7 +923,7 @@
             <a:fld id="{AFCC13FC-EFCE-44A5-8D20-DFF8D5F657B1}" type="datetimeFigureOut">
               <a:rPr lang="en-US" smtClean="0"/>
               <a:pPr/>
-              <a:t>4/12/2014</a:t>
+              <a:t>10/30/2015</a:t>
             </a:fld>
             <a:endParaRPr lang="en-US"/>
           </a:p>
@@ -1124,7 +1124,7 @@
             <a:fld id="{AFCC13FC-EFCE-44A5-8D20-DFF8D5F657B1}" type="datetimeFigureOut">
               <a:rPr lang="en-US" smtClean="0"/>
               <a:pPr/>
-              <a:t>4/12/2014</a:t>
+              <a:t>10/30/2015</a:t>
             </a:fld>
             <a:endParaRPr lang="en-US"/>
           </a:p>
@@ -1316,7 +1316,7 @@
             <a:fld id="{AFCC13FC-EFCE-44A5-8D20-DFF8D5F657B1}" type="datetimeFigureOut">
               <a:rPr lang="en-US" smtClean="0"/>
               <a:pPr/>
-              <a:t>4/12/2014</a:t>
+              <a:t>10/30/2015</a:t>
             </a:fld>
             <a:endParaRPr lang="en-US"/>
           </a:p>
@@ -1510,7 +1510,7 @@
             <a:fld id="{AFCC13FC-EFCE-44A5-8D20-DFF8D5F657B1}" type="datetimeFigureOut">
               <a:rPr lang="en-US" smtClean="0"/>
               <a:pPr/>
-              <a:t>4/12/2014</a:t>
+              <a:t>10/30/2015</a:t>
             </a:fld>
             <a:endParaRPr lang="en-US"/>
           </a:p>
@@ -1738,7 +1738,7 @@
             <a:fld id="{AFCC13FC-EFCE-44A5-8D20-DFF8D5F657B1}" type="datetimeFigureOut">
               <a:rPr lang="en-US" smtClean="0"/>
               <a:pPr/>
-              <a:t>4/12/2014</a:t>
+              <a:t>10/30/2015</a:t>
             </a:fld>
             <a:endParaRPr lang="en-US"/>
           </a:p>
@@ -2031,7 +2031,7 @@
             <a:fld id="{AFCC13FC-EFCE-44A5-8D20-DFF8D5F657B1}" type="datetimeFigureOut">
               <a:rPr lang="en-US" smtClean="0"/>
               <a:pPr/>
-              <a:t>4/12/2014</a:t>
+              <a:t>10/30/2015</a:t>
             </a:fld>
             <a:endParaRPr lang="en-US"/>
           </a:p>
@@ -2464,7 +2464,7 @@
             <a:fld id="{AFCC13FC-EFCE-44A5-8D20-DFF8D5F657B1}" type="datetimeFigureOut">
               <a:rPr lang="en-US" smtClean="0"/>
               <a:pPr/>
-              <a:t>4/12/2014</a:t>
+              <a:t>10/30/2015</a:t>
             </a:fld>
             <a:endParaRPr lang="en-US"/>
           </a:p>
@@ -2592,7 +2592,7 @@
             <a:fld id="{AFCC13FC-EFCE-44A5-8D20-DFF8D5F657B1}" type="datetimeFigureOut">
               <a:rPr lang="en-US" smtClean="0"/>
               <a:pPr/>
-              <a:t>4/12/2014</a:t>
+              <a:t>10/30/2015</a:t>
             </a:fld>
             <a:endParaRPr lang="en-US"/>
           </a:p>
@@ -2697,7 +2697,7 @@
             <a:fld id="{AFCC13FC-EFCE-44A5-8D20-DFF8D5F657B1}" type="datetimeFigureOut">
               <a:rPr lang="en-US" smtClean="0"/>
               <a:pPr/>
-              <a:t>4/12/2014</a:t>
+              <a:t>10/30/2015</a:t>
             </a:fld>
             <a:endParaRPr lang="en-US"/>
           </a:p>
@@ -2968,7 +2968,7 @@
             <a:fld id="{AFCC13FC-EFCE-44A5-8D20-DFF8D5F657B1}" type="datetimeFigureOut">
               <a:rPr lang="en-US" smtClean="0"/>
               <a:pPr/>
-              <a:t>4/12/2014</a:t>
+              <a:t>10/30/2015</a:t>
             </a:fld>
             <a:endParaRPr lang="en-US"/>
           </a:p>
@@ -3334,7 +3334,7 @@
             <a:fld id="{AFCC13FC-EFCE-44A5-8D20-DFF8D5F657B1}" type="datetimeFigureOut">
               <a:rPr lang="en-US" smtClean="0"/>
               <a:pPr/>
-              <a:t>4/12/2014</a:t>
+              <a:t>10/30/2015</a:t>
             </a:fld>
             <a:endParaRPr lang="en-US"/>
           </a:p>
@@ -3691,7 +3691,7 @@
             <a:fld id="{AFCC13FC-EFCE-44A5-8D20-DFF8D5F657B1}" type="datetimeFigureOut">
               <a:rPr lang="en-US" smtClean="0"/>
               <a:pPr/>
-              <a:t>4/12/2014</a:t>
+              <a:t>10/30/2015</a:t>
             </a:fld>
             <a:endParaRPr lang="en-US"/>
           </a:p>
@@ -4658,19 +4658,23 @@
               <a:t>MSSV</a:t>
             </a:r>
             <a:r>
-              <a:rPr lang="en-US" b="1" dirty="0">
+              <a:rPr lang="en-US" b="1">
                 <a:latin typeface="Arial" pitchFamily="34" charset="0"/>
                 <a:cs typeface="Arial" pitchFamily="34" charset="0"/>
               </a:rPr>
               <a:t>: </a:t>
             </a:r>
             <a:r>
-              <a:rPr lang="en-US" b="1" dirty="0" smtClean="0">
-                <a:latin typeface="Arial" pitchFamily="34" charset="0"/>
-                <a:cs typeface="Arial" pitchFamily="34" charset="0"/>
-              </a:rPr>
-              <a:t>1525957</a:t>
-            </a:r>
+              <a:rPr lang="en-US" b="1" smtClean="0">
+                <a:latin typeface="Arial" pitchFamily="34" charset="0"/>
+                <a:cs typeface="Arial" pitchFamily="34" charset="0"/>
+              </a:rPr>
+              <a:t> 1525957</a:t>
+            </a:r>
+            <a:endParaRPr lang="en-US" b="1" dirty="0" smtClean="0">
+              <a:latin typeface="Arial" pitchFamily="34" charset="0"/>
+              <a:cs typeface="Arial" pitchFamily="34" charset="0"/>
+            </a:endParaRPr>
           </a:p>
           <a:p>
             <a:pPr algn="ctr"/>
@@ -5415,7 +5419,7 @@
     <a:masterClrMapping/>
   </p:clrMapOvr>
   <mc:AlternateContent xmlns:mc="http://schemas.openxmlformats.org/markup-compatibility/2006">
-    <mc:Choice xmlns:p14="http://schemas.microsoft.com/office/powerpoint/2010/main" xmlns="" Requires="p14">
+    <mc:Choice xmlns="" xmlns:p14="http://schemas.microsoft.com/office/powerpoint/2010/main" Requires="p14">
       <p:transition p14:dur="0"/>
     </mc:Choice>
     <mc:Fallback>

--- a/NHÓM NGHIÊN CỨU KHOA HỌC LỚP 57PM.pptx
+++ b/NHÓM NGHIÊN CỨU KHOA HỌC LỚP 57PM.pptx
@@ -388,7 +388,7 @@
     </p:spTree>
     <p:extLst>
       <p:ext uri="{BB962C8B-B14F-4D97-AF65-F5344CB8AC3E}">
-        <p14:creationId xmlns="" xmlns:p14="http://schemas.microsoft.com/office/powerpoint/2010/main" val="181234236"/>
+        <p14:creationId xmlns:p14="http://schemas.microsoft.com/office/powerpoint/2010/main" xmlns="" val="181234236"/>
       </p:ext>
     </p:extLst>
   </p:cSld>
@@ -4602,74 +4602,32 @@
           <a:p>
             <a:pPr algn="ctr"/>
             <a:r>
-              <a:rPr lang="en-US" b="1" dirty="0" err="1" smtClean="0">
-                <a:latin typeface="Arial" pitchFamily="34" charset="0"/>
-                <a:cs typeface="Arial" pitchFamily="34" charset="0"/>
-              </a:rPr>
-              <a:t>Lã</a:t>
-            </a:r>
-            <a:r>
               <a:rPr lang="en-US" b="1" dirty="0" smtClean="0">
                 <a:latin typeface="Arial" pitchFamily="34" charset="0"/>
                 <a:cs typeface="Arial" pitchFamily="34" charset="0"/>
               </a:rPr>
-              <a:t> </a:t>
-            </a:r>
-            <a:r>
-              <a:rPr lang="en-US" b="1" dirty="0" err="1">
-                <a:latin typeface="Arial" pitchFamily="34" charset="0"/>
-                <a:cs typeface="Arial" pitchFamily="34" charset="0"/>
-              </a:rPr>
-              <a:t>Xuân</a:t>
+              <a:t>Lã </a:t>
             </a:r>
             <a:r>
               <a:rPr lang="en-US" b="1" dirty="0">
                 <a:latin typeface="Arial" pitchFamily="34" charset="0"/>
                 <a:cs typeface="Arial" pitchFamily="34" charset="0"/>
               </a:rPr>
-              <a:t> </a:t>
-            </a:r>
-            <a:r>
-              <a:rPr lang="en-US" b="1" dirty="0" err="1">
-                <a:latin typeface="Arial" pitchFamily="34" charset="0"/>
-                <a:cs typeface="Arial" pitchFamily="34" charset="0"/>
-              </a:rPr>
-              <a:t>Linh</a:t>
-            </a:r>
-            <a:r>
-              <a:rPr lang="en-US" b="1" dirty="0">
-                <a:latin typeface="Arial" pitchFamily="34" charset="0"/>
-                <a:cs typeface="Arial" pitchFamily="34" charset="0"/>
-              </a:rPr>
-              <a:t> </a:t>
+              <a:t>Xuân Linh </a:t>
             </a:r>
             <a:r>
               <a:rPr lang="en-US" b="1" dirty="0" smtClean="0">
                 <a:latin typeface="Arial" pitchFamily="34" charset="0"/>
                 <a:cs typeface="Arial" pitchFamily="34" charset="0"/>
               </a:rPr>
-              <a:t>		    </a:t>
-            </a:r>
-            <a:r>
-              <a:rPr lang="en-US" b="1" dirty="0" err="1" smtClean="0">
-                <a:latin typeface="Arial" pitchFamily="34" charset="0"/>
-                <a:cs typeface="Arial" pitchFamily="34" charset="0"/>
-              </a:rPr>
-              <a:t>MSSV</a:t>
-            </a:r>
-            <a:r>
-              <a:rPr lang="en-US" b="1">
-                <a:latin typeface="Arial" pitchFamily="34" charset="0"/>
-                <a:cs typeface="Arial" pitchFamily="34" charset="0"/>
-              </a:rPr>
-              <a:t>: </a:t>
+              <a:t>	</a:t>
             </a:r>
             <a:r>
               <a:rPr lang="en-US" b="1" smtClean="0">
                 <a:latin typeface="Arial" pitchFamily="34" charset="0"/>
                 <a:cs typeface="Arial" pitchFamily="34" charset="0"/>
               </a:rPr>
-              <a:t> 1525957</a:t>
+              <a:t>	</a:t>
             </a:r>
             <a:endParaRPr lang="en-US" b="1" dirty="0" smtClean="0">
               <a:latin typeface="Arial" pitchFamily="34" charset="0"/>
@@ -4679,60 +4637,11 @@
           <a:p>
             <a:pPr algn="ctr"/>
             <a:r>
-              <a:rPr lang="en-US" b="1" dirty="0" err="1" smtClean="0">
-                <a:latin typeface="Arial" pitchFamily="34" charset="0"/>
-                <a:cs typeface="Arial" pitchFamily="34" charset="0"/>
-              </a:rPr>
-              <a:t>Nguyễn</a:t>
-            </a:r>
-            <a:r>
               <a:rPr lang="en-US" b="1" dirty="0" smtClean="0">
                 <a:latin typeface="Arial" pitchFamily="34" charset="0"/>
                 <a:cs typeface="Arial" pitchFamily="34" charset="0"/>
               </a:rPr>
-              <a:t> </a:t>
-            </a:r>
-            <a:r>
-              <a:rPr lang="en-US" b="1" dirty="0" err="1" smtClean="0">
-                <a:latin typeface="Arial" pitchFamily="34" charset="0"/>
-                <a:cs typeface="Arial" pitchFamily="34" charset="0"/>
-              </a:rPr>
-              <a:t>Văn</a:t>
-            </a:r>
-            <a:r>
-              <a:rPr lang="en-US" b="1" dirty="0" smtClean="0">
-                <a:latin typeface="Arial" pitchFamily="34" charset="0"/>
-                <a:cs typeface="Arial" pitchFamily="34" charset="0"/>
-              </a:rPr>
-              <a:t> </a:t>
-            </a:r>
-            <a:r>
-              <a:rPr lang="en-US" b="1" dirty="0" err="1" smtClean="0">
-                <a:latin typeface="Arial" pitchFamily="34" charset="0"/>
-                <a:cs typeface="Arial" pitchFamily="34" charset="0"/>
-              </a:rPr>
-              <a:t>Toàn</a:t>
-            </a:r>
-            <a:r>
-              <a:rPr lang="en-US" b="1" dirty="0" smtClean="0">
-                <a:latin typeface="Arial" pitchFamily="34" charset="0"/>
-                <a:cs typeface="Arial" pitchFamily="34" charset="0"/>
-              </a:rPr>
-              <a:t> 	    </a:t>
-            </a:r>
-            <a:r>
-              <a:rPr lang="en-US" b="1" dirty="0" err="1" smtClean="0">
-                <a:latin typeface="Arial" pitchFamily="34" charset="0"/>
-                <a:cs typeface="Arial" pitchFamily="34" charset="0"/>
-              </a:rPr>
-              <a:t>MSSV</a:t>
-            </a:r>
-            <a:r>
-              <a:rPr lang="en-US" b="1" dirty="0" smtClean="0">
-                <a:latin typeface="Arial" pitchFamily="34" charset="0"/>
-                <a:cs typeface="Arial" pitchFamily="34" charset="0"/>
-              </a:rPr>
-              <a:t>: 1544357</a:t>
+              <a:t>Nguyễn Văn Toàn 	</a:t>
             </a:r>
           </a:p>
           <a:p>
@@ -5419,7 +5328,7 @@
     <a:masterClrMapping/>
   </p:clrMapOvr>
   <mc:AlternateContent xmlns:mc="http://schemas.openxmlformats.org/markup-compatibility/2006">
-    <mc:Choice xmlns="" xmlns:p14="http://schemas.microsoft.com/office/powerpoint/2010/main" Requires="p14">
+    <mc:Choice xmlns:p14="http://schemas.microsoft.com/office/powerpoint/2010/main" xmlns="" Requires="p14">
       <p:transition p14:dur="0"/>
     </mc:Choice>
     <mc:Fallback>

--- a/NHÓM NGHIÊN CỨU KHOA HỌC LỚP 57PM.pptx
+++ b/NHÓM NGHIÊN CỨU KHOA HỌC LỚP 57PM.pptx
@@ -217,7 +217,7 @@
             <a:fld id="{5A703AD5-F555-445C-9A7F-5B646F75B839}" type="datetimeFigureOut">
               <a:rPr lang="en-US" smtClean="0"/>
               <a:pPr/>
-              <a:t>10/30/2015</a:t>
+              <a:t>11/1/2015</a:t>
             </a:fld>
             <a:endParaRPr lang="en-US"/>
           </a:p>
@@ -388,7 +388,7 @@
     </p:spTree>
     <p:extLst>
       <p:ext uri="{BB962C8B-B14F-4D97-AF65-F5344CB8AC3E}">
-        <p14:creationId xmlns:p14="http://schemas.microsoft.com/office/powerpoint/2010/main" xmlns="" val="181234236"/>
+        <p14:creationId xmlns="" xmlns:p14="http://schemas.microsoft.com/office/powerpoint/2010/main" val="181234236"/>
       </p:ext>
     </p:extLst>
   </p:cSld>
@@ -923,7 +923,7 @@
             <a:fld id="{AFCC13FC-EFCE-44A5-8D20-DFF8D5F657B1}" type="datetimeFigureOut">
               <a:rPr lang="en-US" smtClean="0"/>
               <a:pPr/>
-              <a:t>10/30/2015</a:t>
+              <a:t>11/1/2015</a:t>
             </a:fld>
             <a:endParaRPr lang="en-US"/>
           </a:p>
@@ -1124,7 +1124,7 @@
             <a:fld id="{AFCC13FC-EFCE-44A5-8D20-DFF8D5F657B1}" type="datetimeFigureOut">
               <a:rPr lang="en-US" smtClean="0"/>
               <a:pPr/>
-              <a:t>10/30/2015</a:t>
+              <a:t>11/1/2015</a:t>
             </a:fld>
             <a:endParaRPr lang="en-US"/>
           </a:p>
@@ -1316,7 +1316,7 @@
             <a:fld id="{AFCC13FC-EFCE-44A5-8D20-DFF8D5F657B1}" type="datetimeFigureOut">
               <a:rPr lang="en-US" smtClean="0"/>
               <a:pPr/>
-              <a:t>10/30/2015</a:t>
+              <a:t>11/1/2015</a:t>
             </a:fld>
             <a:endParaRPr lang="en-US"/>
           </a:p>
@@ -1510,7 +1510,7 @@
             <a:fld id="{AFCC13FC-EFCE-44A5-8D20-DFF8D5F657B1}" type="datetimeFigureOut">
               <a:rPr lang="en-US" smtClean="0"/>
               <a:pPr/>
-              <a:t>10/30/2015</a:t>
+              <a:t>11/1/2015</a:t>
             </a:fld>
             <a:endParaRPr lang="en-US"/>
           </a:p>
@@ -1738,7 +1738,7 @@
             <a:fld id="{AFCC13FC-EFCE-44A5-8D20-DFF8D5F657B1}" type="datetimeFigureOut">
               <a:rPr lang="en-US" smtClean="0"/>
               <a:pPr/>
-              <a:t>10/30/2015</a:t>
+              <a:t>11/1/2015</a:t>
             </a:fld>
             <a:endParaRPr lang="en-US"/>
           </a:p>
@@ -2031,7 +2031,7 @@
             <a:fld id="{AFCC13FC-EFCE-44A5-8D20-DFF8D5F657B1}" type="datetimeFigureOut">
               <a:rPr lang="en-US" smtClean="0"/>
               <a:pPr/>
-              <a:t>10/30/2015</a:t>
+              <a:t>11/1/2015</a:t>
             </a:fld>
             <a:endParaRPr lang="en-US"/>
           </a:p>
@@ -2464,7 +2464,7 @@
             <a:fld id="{AFCC13FC-EFCE-44A5-8D20-DFF8D5F657B1}" type="datetimeFigureOut">
               <a:rPr lang="en-US" smtClean="0"/>
               <a:pPr/>
-              <a:t>10/30/2015</a:t>
+              <a:t>11/1/2015</a:t>
             </a:fld>
             <a:endParaRPr lang="en-US"/>
           </a:p>
@@ -2592,7 +2592,7 @@
             <a:fld id="{AFCC13FC-EFCE-44A5-8D20-DFF8D5F657B1}" type="datetimeFigureOut">
               <a:rPr lang="en-US" smtClean="0"/>
               <a:pPr/>
-              <a:t>10/30/2015</a:t>
+              <a:t>11/1/2015</a:t>
             </a:fld>
             <a:endParaRPr lang="en-US"/>
           </a:p>
@@ -2697,7 +2697,7 @@
             <a:fld id="{AFCC13FC-EFCE-44A5-8D20-DFF8D5F657B1}" type="datetimeFigureOut">
               <a:rPr lang="en-US" smtClean="0"/>
               <a:pPr/>
-              <a:t>10/30/2015</a:t>
+              <a:t>11/1/2015</a:t>
             </a:fld>
             <a:endParaRPr lang="en-US"/>
           </a:p>
@@ -2968,7 +2968,7 @@
             <a:fld id="{AFCC13FC-EFCE-44A5-8D20-DFF8D5F657B1}" type="datetimeFigureOut">
               <a:rPr lang="en-US" smtClean="0"/>
               <a:pPr/>
-              <a:t>10/30/2015</a:t>
+              <a:t>11/1/2015</a:t>
             </a:fld>
             <a:endParaRPr lang="en-US"/>
           </a:p>
@@ -3334,7 +3334,7 @@
             <a:fld id="{AFCC13FC-EFCE-44A5-8D20-DFF8D5F657B1}" type="datetimeFigureOut">
               <a:rPr lang="en-US" smtClean="0"/>
               <a:pPr/>
-              <a:t>10/30/2015</a:t>
+              <a:t>11/1/2015</a:t>
             </a:fld>
             <a:endParaRPr lang="en-US"/>
           </a:p>
@@ -3691,7 +3691,7 @@
             <a:fld id="{AFCC13FC-EFCE-44A5-8D20-DFF8D5F657B1}" type="datetimeFigureOut">
               <a:rPr lang="en-US" smtClean="0"/>
               <a:pPr/>
-              <a:t>10/30/2015</a:t>
+              <a:t>11/1/2015</a:t>
             </a:fld>
             <a:endParaRPr lang="en-US"/>
           </a:p>
@@ -4620,29 +4620,36 @@
                 <a:latin typeface="Arial" pitchFamily="34" charset="0"/>
                 <a:cs typeface="Arial" pitchFamily="34" charset="0"/>
               </a:rPr>
-              <a:t>	</a:t>
+              <a:t>		</a:t>
+            </a:r>
+          </a:p>
+          <a:p>
+            <a:pPr algn="ctr"/>
+            <a:r>
+              <a:rPr lang="en-US" b="1" dirty="0" smtClean="0">
+                <a:latin typeface="Arial" pitchFamily="34" charset="0"/>
+                <a:cs typeface="Arial" pitchFamily="34" charset="0"/>
+              </a:rPr>
+              <a:t>Nguyễn </a:t>
             </a:r>
             <a:r>
               <a:rPr lang="en-US" b="1" smtClean="0">
                 <a:latin typeface="Arial" pitchFamily="34" charset="0"/>
                 <a:cs typeface="Arial" pitchFamily="34" charset="0"/>
               </a:rPr>
-              <a:t>	</a:t>
+              <a:t>Văn </a:t>
+            </a:r>
+            <a:r>
+              <a:rPr lang="en-US" b="1" smtClean="0">
+                <a:latin typeface="Arial" pitchFamily="34" charset="0"/>
+                <a:cs typeface="Arial" pitchFamily="34" charset="0"/>
+              </a:rPr>
+              <a:t>Toàn - 1544357</a:t>
             </a:r>
             <a:endParaRPr lang="en-US" b="1" dirty="0" smtClean="0">
               <a:latin typeface="Arial" pitchFamily="34" charset="0"/>
               <a:cs typeface="Arial" pitchFamily="34" charset="0"/>
             </a:endParaRPr>
-          </a:p>
-          <a:p>
-            <a:pPr algn="ctr"/>
-            <a:r>
-              <a:rPr lang="en-US" b="1" dirty="0" smtClean="0">
-                <a:latin typeface="Arial" pitchFamily="34" charset="0"/>
-                <a:cs typeface="Arial" pitchFamily="34" charset="0"/>
-              </a:rPr>
-              <a:t>Nguyễn Văn Toàn 	</a:t>
-            </a:r>
           </a:p>
           <a:p>
             <a:pPr algn="ctr"/>
@@ -5328,7 +5335,7 @@
     <a:masterClrMapping/>
   </p:clrMapOvr>
   <mc:AlternateContent xmlns:mc="http://schemas.openxmlformats.org/markup-compatibility/2006">
-    <mc:Choice xmlns:p14="http://schemas.microsoft.com/office/powerpoint/2010/main" xmlns="" Requires="p14">
+    <mc:Choice xmlns="" xmlns:p14="http://schemas.microsoft.com/office/powerpoint/2010/main" Requires="p14">
       <p:transition p14:dur="0"/>
     </mc:Choice>
     <mc:Fallback>
